--- a/Contact manager (Small project COP4331) (4).pptx
+++ b/Contact manager (Small project COP4331) (4).pptx
@@ -17,24 +17,23 @@
     <p:sldId id="262" r:id="rId11"/>
     <p:sldId id="263" r:id="rId12"/>
     <p:sldId id="264" r:id="rId13"/>
-    <p:sldId id="265" r:id="rId14"/>
   </p:sldIdLst>
   <p:sldSz cy="5143500" cx="9144000"/>
   <p:notesSz cx="6858000" cy="9144000"/>
   <p:embeddedFontLst>
     <p:embeddedFont>
       <p:font typeface="Economica"/>
-      <p:regular r:id="rId15"/>
-      <p:bold r:id="rId16"/>
-      <p:italic r:id="rId17"/>
-      <p:boldItalic r:id="rId18"/>
+      <p:regular r:id="rId14"/>
+      <p:bold r:id="rId15"/>
+      <p:italic r:id="rId16"/>
+      <p:boldItalic r:id="rId17"/>
     </p:embeddedFont>
     <p:embeddedFont>
       <p:font typeface="Open Sans"/>
-      <p:regular r:id="rId19"/>
-      <p:bold r:id="rId20"/>
-      <p:italic r:id="rId21"/>
-      <p:boldItalic r:id="rId22"/>
+      <p:regular r:id="rId18"/>
+      <p:bold r:id="rId19"/>
+      <p:italic r:id="rId20"/>
+      <p:boldItalic r:id="rId21"/>
     </p:embeddedFont>
   </p:embeddedFontLst>
   <p:defaultTextStyle>
@@ -490,104 +489,6 @@
       <p:sp>
         <p:nvSpPr>
           <p:cNvPr id="60" name="Shape 60"/>
-          <p:cNvSpPr txBox="1"/>
-          <p:nvPr>
-            <p:ph idx="1" type="body"/>
-          </p:nvPr>
-        </p:nvSpPr>
-        <p:spPr>
-          <a:xfrm>
-            <a:off x="685800" y="4343400"/>
-            <a:ext cx="5486400" cy="4114800"/>
-          </a:xfrm>
-          <a:prstGeom prst="rect">
-            <a:avLst/>
-          </a:prstGeom>
-        </p:spPr>
-        <p:txBody>
-          <a:bodyPr anchorCtr="0" anchor="t" bIns="91425" lIns="91425" spcFirstLastPara="1" rIns="91425" wrap="square" tIns="91425">
-            <a:noAutofit/>
-          </a:bodyPr>
-          <a:lstStyle/>
-          <a:p>
-            <a:pPr indent="0" lvl="0" marL="0">
-              <a:spcBef>
-                <a:spcPts val="0"/>
-              </a:spcBef>
-              <a:spcAft>
-                <a:spcPts val="0"/>
-              </a:spcAft>
-              <a:buNone/>
-            </a:pPr>
-            <a:r>
-              <a:t/>
-            </a:r>
-            <a:endParaRPr/>
-          </a:p>
-        </p:txBody>
-      </p:sp>
-    </p:spTree>
-  </p:cSld>
-  <p:clrMapOvr>
-    <a:masterClrMapping/>
-  </p:clrMapOvr>
-</p:notes>
-</file>
-
-<file path=ppt/notesSlides/notesSlide10.xml><?xml version="1.0" encoding="utf-8"?>
-<p:notes xmlns:a="http://schemas.openxmlformats.org/drawingml/2006/main" xmlns:r="http://schemas.openxmlformats.org/officeDocument/2006/relationships" xmlns:mc="http://schemas.openxmlformats.org/markup-compatibility/2006" xmlns:mv="urn:schemas-microsoft-com:mac:vml" xmlns:p="http://schemas.openxmlformats.org/presentationml/2006/main" xmlns:c="http://schemas.openxmlformats.org/drawingml/2006/chart" xmlns:dgm="http://schemas.openxmlformats.org/drawingml/2006/diagram" xmlns:o="urn:schemas-microsoft-com:office:office" xmlns:v="urn:schemas-microsoft-com:vml" xmlns:pvml="urn:schemas-microsoft-com:office:powerpoint" xmlns:com="http://schemas.openxmlformats.org/drawingml/2006/compatibility" xmlns:p14="http://schemas.microsoft.com/office/powerpoint/2010/main" xmlns:p15="http://schemas.microsoft.com/office/powerpoint/2012/main" showMasterPhAnim="0" showMasterSp="0">
-  <p:cSld>
-    <p:spTree>
-      <p:nvGrpSpPr>
-        <p:cNvPr id="112" name="Shape 112"/>
-        <p:cNvGrpSpPr/>
-        <p:nvPr/>
-      </p:nvGrpSpPr>
-      <p:grpSpPr>
-        <a:xfrm>
-          <a:off x="0" y="0"/>
-          <a:ext cx="0" cy="0"/>
-          <a:chOff x="0" y="0"/>
-          <a:chExt cx="0" cy="0"/>
-        </a:xfrm>
-      </p:grpSpPr>
-      <p:sp>
-        <p:nvSpPr>
-          <p:cNvPr id="113" name="Shape 113"/>
-          <p:cNvSpPr/>
-          <p:nvPr>
-            <p:ph idx="2" type="sldImg"/>
-          </p:nvPr>
-        </p:nvSpPr>
-        <p:spPr>
-          <a:xfrm>
-            <a:off x="381300" y="685800"/>
-            <a:ext cx="6096000" cy="3429000"/>
-          </a:xfrm>
-          <a:custGeom>
-            <a:pathLst>
-              <a:path extrusionOk="0" h="120000" w="120000">
-                <a:moveTo>
-                  <a:pt x="0" y="0"/>
-                </a:moveTo>
-                <a:lnTo>
-                  <a:pt x="120000" y="0"/>
-                </a:lnTo>
-                <a:lnTo>
-                  <a:pt x="120000" y="120000"/>
-                </a:lnTo>
-                <a:lnTo>
-                  <a:pt x="0" y="120000"/>
-                </a:lnTo>
-                <a:close/>
-              </a:path>
-            </a:pathLst>
-          </a:custGeom>
-        </p:spPr>
-      </p:sp>
-      <p:sp>
-        <p:nvSpPr>
-          <p:cNvPr id="114" name="Shape 114"/>
           <p:cNvSpPr txBox="1"/>
           <p:nvPr>
             <p:ph idx="1" type="body"/>
@@ -7019,152 +6920,6 @@
 </p:sld>
 </file>
 
-<file path=ppt/slides/slide10.xml><?xml version="1.0" encoding="utf-8"?>
-<p:sld xmlns:a="http://schemas.openxmlformats.org/drawingml/2006/main" xmlns:r="http://schemas.openxmlformats.org/officeDocument/2006/relationships" xmlns:mc="http://schemas.openxmlformats.org/markup-compatibility/2006" xmlns:mv="urn:schemas-microsoft-com:mac:vml" xmlns:p="http://schemas.openxmlformats.org/presentationml/2006/main" xmlns:c="http://schemas.openxmlformats.org/drawingml/2006/chart" xmlns:dgm="http://schemas.openxmlformats.org/drawingml/2006/diagram" xmlns:o="urn:schemas-microsoft-com:office:office" xmlns:v="urn:schemas-microsoft-com:vml" xmlns:pvml="urn:schemas-microsoft-com:office:powerpoint" xmlns:com="http://schemas.openxmlformats.org/drawingml/2006/compatibility" xmlns:p14="http://schemas.microsoft.com/office/powerpoint/2010/main" xmlns:p15="http://schemas.microsoft.com/office/powerpoint/2012/main">
-  <p:cSld>
-    <p:spTree>
-      <p:nvGrpSpPr>
-        <p:cNvPr id="115" name="Shape 115"/>
-        <p:cNvGrpSpPr/>
-        <p:nvPr/>
-      </p:nvGrpSpPr>
-      <p:grpSpPr>
-        <a:xfrm>
-          <a:off x="0" y="0"/>
-          <a:ext cx="0" cy="0"/>
-          <a:chOff x="0" y="0"/>
-          <a:chExt cx="0" cy="0"/>
-        </a:xfrm>
-      </p:grpSpPr>
-      <p:sp>
-        <p:nvSpPr>
-          <p:cNvPr id="116" name="Shape 116"/>
-          <p:cNvSpPr txBox="1"/>
-          <p:nvPr>
-            <p:ph type="title"/>
-          </p:nvPr>
-        </p:nvSpPr>
-        <p:spPr>
-          <a:xfrm>
-            <a:off x="311700" y="232125"/>
-            <a:ext cx="8520600" cy="831300"/>
-          </a:xfrm>
-          <a:prstGeom prst="rect">
-            <a:avLst/>
-          </a:prstGeom>
-        </p:spPr>
-        <p:txBody>
-          <a:bodyPr anchorCtr="0" anchor="b" bIns="91425" lIns="91425" spcFirstLastPara="1" rIns="91425" wrap="square" tIns="91425">
-            <a:noAutofit/>
-          </a:bodyPr>
-          <a:lstStyle/>
-          <a:p>
-            <a:pPr indent="0" lvl="0" marL="0">
-              <a:spcBef>
-                <a:spcPts val="0"/>
-              </a:spcBef>
-              <a:spcAft>
-                <a:spcPts val="0"/>
-              </a:spcAft>
-              <a:buNone/>
-            </a:pPr>
-            <a:r>
-              <a:rPr lang="en"/>
-              <a:t>Questions</a:t>
-            </a:r>
-            <a:endParaRPr/>
-          </a:p>
-        </p:txBody>
-      </p:sp>
-      <p:sp>
-        <p:nvSpPr>
-          <p:cNvPr id="117" name="Shape 117"/>
-          <p:cNvSpPr txBox="1"/>
-          <p:nvPr>
-            <p:ph idx="1" type="body"/>
-          </p:nvPr>
-        </p:nvSpPr>
-        <p:spPr>
-          <a:xfrm>
-            <a:off x="405975" y="1225225"/>
-            <a:ext cx="8520600" cy="3354000"/>
-          </a:xfrm>
-          <a:prstGeom prst="rect">
-            <a:avLst/>
-          </a:prstGeom>
-        </p:spPr>
-        <p:txBody>
-          <a:bodyPr anchorCtr="0" anchor="t" bIns="91425" lIns="91425" spcFirstLastPara="1" rIns="91425" wrap="square" tIns="91425">
-            <a:noAutofit/>
-          </a:bodyPr>
-          <a:lstStyle/>
-          <a:p>
-            <a:pPr indent="0" lvl="0" marL="0">
-              <a:spcBef>
-                <a:spcPts val="0"/>
-              </a:spcBef>
-              <a:spcAft>
-                <a:spcPts val="0"/>
-              </a:spcAft>
-              <a:buNone/>
-            </a:pPr>
-            <a:r>
-              <a:t/>
-            </a:r>
-            <a:endParaRPr/>
-          </a:p>
-          <a:p>
-            <a:pPr indent="0" lvl="0" marL="0">
-              <a:spcBef>
-                <a:spcPts val="1600"/>
-              </a:spcBef>
-              <a:spcAft>
-                <a:spcPts val="1600"/>
-              </a:spcAft>
-              <a:buNone/>
-            </a:pPr>
-            <a:r>
-              <a:t/>
-            </a:r>
-            <a:endParaRPr/>
-          </a:p>
-        </p:txBody>
-      </p:sp>
-      <p:pic>
-        <p:nvPicPr>
-          <p:cNvPr id="118" name="Shape 118"/>
-          <p:cNvPicPr preferRelativeResize="0"/>
-          <p:nvPr/>
-        </p:nvPicPr>
-        <p:blipFill rotWithShape="1">
-          <a:blip r:embed="rId3">
-            <a:alphaModFix/>
-          </a:blip>
-          <a:srcRect b="-6033" l="0" r="-2827" t="0"/>
-          <a:stretch/>
-        </p:blipFill>
-        <p:spPr>
-          <a:xfrm>
-            <a:off x="3027425" y="1281199"/>
-            <a:ext cx="2168450" cy="2897675"/>
-          </a:xfrm>
-          <a:prstGeom prst="rect">
-            <a:avLst/>
-          </a:prstGeom>
-          <a:noFill/>
-          <a:ln>
-            <a:noFill/>
-          </a:ln>
-        </p:spPr>
-      </p:pic>
-    </p:spTree>
-  </p:cSld>
-  <p:clrMapOvr>
-    <a:masterClrMapping/>
-  </p:clrMapOvr>
-</p:sld>
-</file>
-
 <file path=ppt/slides/slide2.xml><?xml version="1.0" encoding="utf-8"?>
 <p:sld xmlns:a="http://schemas.openxmlformats.org/drawingml/2006/main" xmlns:r="http://schemas.openxmlformats.org/officeDocument/2006/relationships" xmlns:mc="http://schemas.openxmlformats.org/markup-compatibility/2006" xmlns:mv="urn:schemas-microsoft-com:mac:vml" xmlns:p="http://schemas.openxmlformats.org/presentationml/2006/main" xmlns:c="http://schemas.openxmlformats.org/drawingml/2006/chart" xmlns:dgm="http://schemas.openxmlformats.org/drawingml/2006/diagram" xmlns:o="urn:schemas-microsoft-com:office:office" xmlns:v="urn:schemas-microsoft-com:vml" xmlns:pvml="urn:schemas-microsoft-com:office:powerpoint" xmlns:com="http://schemas.openxmlformats.org/drawingml/2006/compatibility" xmlns:p14="http://schemas.microsoft.com/office/powerpoint/2010/main" xmlns:p15="http://schemas.microsoft.com/office/powerpoint/2012/main">
   <p:cSld>
@@ -7304,7 +7059,7 @@
             </a:pPr>
             <a:r>
               <a:rPr lang="en"/>
-              <a:t>-Justin Lambert ( Backend, API , Python/ JavaScript support)</a:t>
+              <a:t>-Justin Lambert ( Backend, API , Python / JavaScript support)</a:t>
             </a:r>
             <a:endParaRPr/>
           </a:p>
@@ -7661,7 +7416,7 @@
             </a:pPr>
             <a:r>
               <a:rPr lang="en"/>
-              <a:t>-Apache: HTTP Server</a:t>
+              <a:t>-Apache: Web Server</a:t>
             </a:r>
             <a:endParaRPr/>
           </a:p>
@@ -7693,7 +7448,7 @@
             </a:pPr>
             <a:r>
               <a:rPr lang="en"/>
-              <a:t>-Python: backend API</a:t>
+              <a:t>-Python: Backend API</a:t>
             </a:r>
             <a:endParaRPr/>
           </a:p>
@@ -7709,7 +7464,7 @@
             </a:pPr>
             <a:r>
               <a:rPr lang="en"/>
-              <a:t>-Amazon EC2 webserver and Route 53 DNS registrar</a:t>
+              <a:t>- Amazon Web Server (AWS): Cloud Platform</a:t>
             </a:r>
             <a:endParaRPr/>
           </a:p>
@@ -7756,8 +7511,8 @@
         </p:blipFill>
         <p:spPr>
           <a:xfrm>
-            <a:off x="1780724" y="924699"/>
-            <a:ext cx="5023200" cy="4047024"/>
+            <a:off x="1898700" y="942825"/>
+            <a:ext cx="4738900" cy="3895877"/>
           </a:xfrm>
           <a:prstGeom prst="rect">
             <a:avLst/>
@@ -8000,7 +7755,11 @@
             </a:pPr>
             <a:r>
               <a:rPr lang="en"/>
-              <a:t>-Switched from WISA to LAMP stack (more online resources for LAMP) </a:t>
+              <a:t>-</a:t>
+            </a:r>
+            <a:r>
+              <a:rPr lang="en"/>
+              <a:t>Switched from WISA to LAMP stack (more online resources for LAMP) </a:t>
             </a:r>
             <a:endParaRPr/>
           </a:p>
@@ -8016,7 +7775,7 @@
             </a:pPr>
             <a:r>
               <a:rPr lang="en"/>
-              <a:t>-Learning unknown languages</a:t>
+              <a:t>- Learning new languages and frameworks</a:t>
             </a:r>
             <a:endParaRPr/>
           </a:p>
@@ -8032,7 +7791,7 @@
             </a:pPr>
             <a:r>
               <a:rPr lang="en"/>
-              <a:t>-Some libraries used had sparse documentation</a:t>
+              <a:t>-Some Python libraries had sparse documentation</a:t>
             </a:r>
             <a:endParaRPr/>
           </a:p>
@@ -8049,6 +7808,22 @@
             <a:r>
               <a:rPr lang="en"/>
               <a:t>- Integrating Python with Apache</a:t>
+            </a:r>
+            <a:endParaRPr/>
+          </a:p>
+          <a:p>
+            <a:pPr indent="0" lvl="0" marL="0">
+              <a:spcBef>
+                <a:spcPts val="1600"/>
+              </a:spcBef>
+              <a:spcAft>
+                <a:spcPts val="0"/>
+              </a:spcAft>
+              <a:buNone/>
+            </a:pPr>
+            <a:r>
+              <a:rPr lang="en"/>
+              <a:t>-Asynchronous communication between JavaScript and Python</a:t>
             </a:r>
             <a:endParaRPr/>
           </a:p>
@@ -8253,7 +8028,7 @@
         </p:nvSpPr>
         <p:spPr>
           <a:xfrm>
-            <a:off x="311700" y="315925"/>
+            <a:off x="311700" y="232125"/>
             <a:ext cx="8520600" cy="831300"/>
           </a:xfrm>
           <a:prstGeom prst="rect">
@@ -8277,7 +8052,7 @@
             </a:pPr>
             <a:r>
               <a:rPr lang="en"/>
-              <a:t>Code Example (Work in Progress)</a:t>
+              <a:t>Questions</a:t>
             </a:r>
             <a:endParaRPr/>
           </a:p>
@@ -8293,7 +8068,7 @@
         </p:nvSpPr>
         <p:spPr>
           <a:xfrm>
-            <a:off x="311700" y="1225225"/>
+            <a:off x="405975" y="1225225"/>
             <a:ext cx="8520600" cy="3354000"/>
           </a:xfrm>
           <a:prstGeom prst="rect">
@@ -8311,6 +8086,21 @@
                 <a:spcPts val="0"/>
               </a:spcBef>
               <a:spcAft>
+                <a:spcPts val="0"/>
+              </a:spcAft>
+              <a:buNone/>
+            </a:pPr>
+            <a:r>
+              <a:t/>
+            </a:r>
+            <a:endParaRPr/>
+          </a:p>
+          <a:p>
+            <a:pPr indent="0" lvl="0" marL="0">
+              <a:spcBef>
+                <a:spcPts val="1600"/>
+              </a:spcBef>
+              <a:spcAft>
                 <a:spcPts val="1600"/>
               </a:spcAft>
               <a:buNone/>
@@ -8322,6 +8112,33 @@
           </a:p>
         </p:txBody>
       </p:sp>
+      <p:pic>
+        <p:nvPicPr>
+          <p:cNvPr id="112" name="Shape 112"/>
+          <p:cNvPicPr preferRelativeResize="0"/>
+          <p:nvPr/>
+        </p:nvPicPr>
+        <p:blipFill rotWithShape="1">
+          <a:blip r:embed="rId3">
+            <a:alphaModFix/>
+          </a:blip>
+          <a:srcRect b="-6033" l="0" r="-2827" t="0"/>
+          <a:stretch/>
+        </p:blipFill>
+        <p:spPr>
+          <a:xfrm>
+            <a:off x="3027425" y="1281199"/>
+            <a:ext cx="2168450" cy="2897675"/>
+          </a:xfrm>
+          <a:prstGeom prst="rect">
+            <a:avLst/>
+          </a:prstGeom>
+          <a:noFill/>
+          <a:ln>
+            <a:noFill/>
+          </a:ln>
+        </p:spPr>
+      </p:pic>
     </p:spTree>
   </p:cSld>
   <p:clrMapOvr>
